--- a/ppt 16-9/0551.求主真光照亮我.pptx
+++ b/ppt 16-9/0551.求主真光照亮我.pptx
@@ -129,7 +129,7 @@
           <p:cNvPr id="2" name="标题 1">
             <a:extLst>
               <a:ext uri="{FF2B5EF4-FFF2-40B4-BE49-F238E27FC236}">
-                <a16:creationId xmlns:a16="http://schemas.microsoft.com/office/drawing/2014/main" id="{F98BEFFD-82E0-72D2-DEEA-BE89700C993A}"/>
+                <a16:creationId xmlns:a16="http://schemas.microsoft.com/office/drawing/2014/main" id="{0F502972-9C81-B1C3-2057-8240E8DA3022}"/>
               </a:ext>
             </a:extLst>
           </p:cNvPr>
@@ -166,7 +166,7 @@
           <p:cNvPr id="3" name="副标题 2">
             <a:extLst>
               <a:ext uri="{FF2B5EF4-FFF2-40B4-BE49-F238E27FC236}">
-                <a16:creationId xmlns:a16="http://schemas.microsoft.com/office/drawing/2014/main" id="{32490ED7-E5F1-8944-9C1E-C8B90602359E}"/>
+                <a16:creationId xmlns:a16="http://schemas.microsoft.com/office/drawing/2014/main" id="{E9521616-B386-8432-9DCB-894633824CC6}"/>
               </a:ext>
             </a:extLst>
           </p:cNvPr>
@@ -236,7 +236,7 @@
           <p:cNvPr id="4" name="日期占位符 3">
             <a:extLst>
               <a:ext uri="{FF2B5EF4-FFF2-40B4-BE49-F238E27FC236}">
-                <a16:creationId xmlns:a16="http://schemas.microsoft.com/office/drawing/2014/main" id="{F29BDF27-5C43-0776-8A0C-1DCBF900B3FA}"/>
+                <a16:creationId xmlns:a16="http://schemas.microsoft.com/office/drawing/2014/main" id="{5917DF6B-8BAD-20E8-D6B7-479F3EA64DEA}"/>
               </a:ext>
             </a:extLst>
           </p:cNvPr>
@@ -252,7 +252,7 @@
           <a:bodyPr/>
           <a:lstStyle/>
           <a:p>
-            <a:fld id="{C5E3D34A-E3C8-4104-A299-7D530262C3A3}" type="datetimeFigureOut">
+            <a:fld id="{224D48F1-E062-4BC6-8276-9B7AB69CE4C6}" type="datetimeFigureOut">
               <a:rPr lang="zh-CN" altLang="en-US" smtClean="0"/>
               <a:t>2024/3/10</a:t>
             </a:fld>
@@ -265,7 +265,7 @@
           <p:cNvPr id="5" name="页脚占位符 4">
             <a:extLst>
               <a:ext uri="{FF2B5EF4-FFF2-40B4-BE49-F238E27FC236}">
-                <a16:creationId xmlns:a16="http://schemas.microsoft.com/office/drawing/2014/main" id="{B8ECB3BB-2E11-1BA9-5459-543B8CF8D0B1}"/>
+                <a16:creationId xmlns:a16="http://schemas.microsoft.com/office/drawing/2014/main" id="{52C745BF-E5FE-51C8-46BA-A85CE4E19259}"/>
               </a:ext>
             </a:extLst>
           </p:cNvPr>
@@ -290,7 +290,7 @@
           <p:cNvPr id="6" name="灯片编号占位符 5">
             <a:extLst>
               <a:ext uri="{FF2B5EF4-FFF2-40B4-BE49-F238E27FC236}">
-                <a16:creationId xmlns:a16="http://schemas.microsoft.com/office/drawing/2014/main" id="{11B0D4EA-32D1-CFE7-7436-D08DF54DF8A6}"/>
+                <a16:creationId xmlns:a16="http://schemas.microsoft.com/office/drawing/2014/main" id="{29948D35-3045-9034-8BBE-32ECC7209490}"/>
               </a:ext>
             </a:extLst>
           </p:cNvPr>
@@ -306,7 +306,7 @@
           <a:bodyPr/>
           <a:lstStyle/>
           <a:p>
-            <a:fld id="{37649840-ECA1-47FC-9C02-F9A5AA0F523E}" type="slidenum">
+            <a:fld id="{EAF215F4-636B-4E57-9EB3-E1AF45745DD9}" type="slidenum">
               <a:rPr lang="zh-CN" altLang="en-US" smtClean="0"/>
               <a:t>‹#›</a:t>
             </a:fld>
@@ -317,7 +317,7 @@
     </p:spTree>
     <p:extLst>
       <p:ext uri="{BB962C8B-B14F-4D97-AF65-F5344CB8AC3E}">
-        <p14:creationId xmlns:p14="http://schemas.microsoft.com/office/powerpoint/2010/main" val="53618004"/>
+        <p14:creationId xmlns:p14="http://schemas.microsoft.com/office/powerpoint/2010/main" val="4219384129"/>
       </p:ext>
     </p:extLst>
   </p:cSld>
@@ -349,7 +349,7 @@
           <p:cNvPr id="2" name="标题 1">
             <a:extLst>
               <a:ext uri="{FF2B5EF4-FFF2-40B4-BE49-F238E27FC236}">
-                <a16:creationId xmlns:a16="http://schemas.microsoft.com/office/drawing/2014/main" id="{63A6DE2F-3C27-EBF0-0719-A42F292E1EC8}"/>
+                <a16:creationId xmlns:a16="http://schemas.microsoft.com/office/drawing/2014/main" id="{C217DAA0-4CD1-790B-5DF7-DEB7A4477DDF}"/>
               </a:ext>
             </a:extLst>
           </p:cNvPr>
@@ -377,7 +377,7 @@
           <p:cNvPr id="3" name="竖排文字占位符 2">
             <a:extLst>
               <a:ext uri="{FF2B5EF4-FFF2-40B4-BE49-F238E27FC236}">
-                <a16:creationId xmlns:a16="http://schemas.microsoft.com/office/drawing/2014/main" id="{A089D900-7561-DBF3-DF48-0B27DC818C8F}"/>
+                <a16:creationId xmlns:a16="http://schemas.microsoft.com/office/drawing/2014/main" id="{2AE29E14-9C3F-8AC9-BE18-51374450C47F}"/>
               </a:ext>
             </a:extLst>
           </p:cNvPr>
@@ -434,7 +434,7 @@
           <p:cNvPr id="4" name="日期占位符 3">
             <a:extLst>
               <a:ext uri="{FF2B5EF4-FFF2-40B4-BE49-F238E27FC236}">
-                <a16:creationId xmlns:a16="http://schemas.microsoft.com/office/drawing/2014/main" id="{1566CDE8-3AD2-5754-8E87-C39F102199FE}"/>
+                <a16:creationId xmlns:a16="http://schemas.microsoft.com/office/drawing/2014/main" id="{7DFE4E48-E866-BF74-CA53-B991D9289B7C}"/>
               </a:ext>
             </a:extLst>
           </p:cNvPr>
@@ -450,7 +450,7 @@
           <a:bodyPr/>
           <a:lstStyle/>
           <a:p>
-            <a:fld id="{C5E3D34A-E3C8-4104-A299-7D530262C3A3}" type="datetimeFigureOut">
+            <a:fld id="{224D48F1-E062-4BC6-8276-9B7AB69CE4C6}" type="datetimeFigureOut">
               <a:rPr lang="zh-CN" altLang="en-US" smtClean="0"/>
               <a:t>2024/3/10</a:t>
             </a:fld>
@@ -463,7 +463,7 @@
           <p:cNvPr id="5" name="页脚占位符 4">
             <a:extLst>
               <a:ext uri="{FF2B5EF4-FFF2-40B4-BE49-F238E27FC236}">
-                <a16:creationId xmlns:a16="http://schemas.microsoft.com/office/drawing/2014/main" id="{6DD47C5B-3781-7C4D-A070-D6BA0A429A3D}"/>
+                <a16:creationId xmlns:a16="http://schemas.microsoft.com/office/drawing/2014/main" id="{64857DA9-8E36-477C-58EB-9BAB92C8052E}"/>
               </a:ext>
             </a:extLst>
           </p:cNvPr>
@@ -488,7 +488,7 @@
           <p:cNvPr id="6" name="灯片编号占位符 5">
             <a:extLst>
               <a:ext uri="{FF2B5EF4-FFF2-40B4-BE49-F238E27FC236}">
-                <a16:creationId xmlns:a16="http://schemas.microsoft.com/office/drawing/2014/main" id="{0F1FDDD3-CACF-6160-D015-0F4B3CA41C8E}"/>
+                <a16:creationId xmlns:a16="http://schemas.microsoft.com/office/drawing/2014/main" id="{0345C107-690C-7D88-D2CD-A3B6D8206B08}"/>
               </a:ext>
             </a:extLst>
           </p:cNvPr>
@@ -504,7 +504,7 @@
           <a:bodyPr/>
           <a:lstStyle/>
           <a:p>
-            <a:fld id="{37649840-ECA1-47FC-9C02-F9A5AA0F523E}" type="slidenum">
+            <a:fld id="{EAF215F4-636B-4E57-9EB3-E1AF45745DD9}" type="slidenum">
               <a:rPr lang="zh-CN" altLang="en-US" smtClean="0"/>
               <a:t>‹#›</a:t>
             </a:fld>
@@ -515,7 +515,7 @@
     </p:spTree>
     <p:extLst>
       <p:ext uri="{BB962C8B-B14F-4D97-AF65-F5344CB8AC3E}">
-        <p14:creationId xmlns:p14="http://schemas.microsoft.com/office/powerpoint/2010/main" val="3317611783"/>
+        <p14:creationId xmlns:p14="http://schemas.microsoft.com/office/powerpoint/2010/main" val="2444322158"/>
       </p:ext>
     </p:extLst>
   </p:cSld>
@@ -547,7 +547,7 @@
           <p:cNvPr id="2" name="竖排标题 1">
             <a:extLst>
               <a:ext uri="{FF2B5EF4-FFF2-40B4-BE49-F238E27FC236}">
-                <a16:creationId xmlns:a16="http://schemas.microsoft.com/office/drawing/2014/main" id="{618E439D-6BBF-89CF-2AC5-18149C30FAE7}"/>
+                <a16:creationId xmlns:a16="http://schemas.microsoft.com/office/drawing/2014/main" id="{C42A7BF9-9A2B-8A58-C47F-CA26B4A5F55A}"/>
               </a:ext>
             </a:extLst>
           </p:cNvPr>
@@ -580,7 +580,7 @@
           <p:cNvPr id="3" name="竖排文字占位符 2">
             <a:extLst>
               <a:ext uri="{FF2B5EF4-FFF2-40B4-BE49-F238E27FC236}">
-                <a16:creationId xmlns:a16="http://schemas.microsoft.com/office/drawing/2014/main" id="{1D352D17-574D-FDAC-5487-BECC50ECC883}"/>
+                <a16:creationId xmlns:a16="http://schemas.microsoft.com/office/drawing/2014/main" id="{04355A5D-7E28-83F3-298F-8AB1D38A29E8}"/>
               </a:ext>
             </a:extLst>
           </p:cNvPr>
@@ -642,7 +642,7 @@
           <p:cNvPr id="4" name="日期占位符 3">
             <a:extLst>
               <a:ext uri="{FF2B5EF4-FFF2-40B4-BE49-F238E27FC236}">
-                <a16:creationId xmlns:a16="http://schemas.microsoft.com/office/drawing/2014/main" id="{38ECE1D7-6FB8-9440-F7F7-D77C2D217891}"/>
+                <a16:creationId xmlns:a16="http://schemas.microsoft.com/office/drawing/2014/main" id="{CAFC0194-B6CC-C523-1215-0559F58D5190}"/>
               </a:ext>
             </a:extLst>
           </p:cNvPr>
@@ -658,7 +658,7 @@
           <a:bodyPr/>
           <a:lstStyle/>
           <a:p>
-            <a:fld id="{C5E3D34A-E3C8-4104-A299-7D530262C3A3}" type="datetimeFigureOut">
+            <a:fld id="{224D48F1-E062-4BC6-8276-9B7AB69CE4C6}" type="datetimeFigureOut">
               <a:rPr lang="zh-CN" altLang="en-US" smtClean="0"/>
               <a:t>2024/3/10</a:t>
             </a:fld>
@@ -671,7 +671,7 @@
           <p:cNvPr id="5" name="页脚占位符 4">
             <a:extLst>
               <a:ext uri="{FF2B5EF4-FFF2-40B4-BE49-F238E27FC236}">
-                <a16:creationId xmlns:a16="http://schemas.microsoft.com/office/drawing/2014/main" id="{1A1F1085-AF67-22DA-508D-652AFFDC20A9}"/>
+                <a16:creationId xmlns:a16="http://schemas.microsoft.com/office/drawing/2014/main" id="{F299C1CB-0193-6EBA-E353-ADC8FFDAEAD7}"/>
               </a:ext>
             </a:extLst>
           </p:cNvPr>
@@ -696,7 +696,7 @@
           <p:cNvPr id="6" name="灯片编号占位符 5">
             <a:extLst>
               <a:ext uri="{FF2B5EF4-FFF2-40B4-BE49-F238E27FC236}">
-                <a16:creationId xmlns:a16="http://schemas.microsoft.com/office/drawing/2014/main" id="{7B0347F7-F6BD-1A27-A584-7B8C46D84884}"/>
+                <a16:creationId xmlns:a16="http://schemas.microsoft.com/office/drawing/2014/main" id="{9A814101-936A-E52B-F3B1-2A9A6135104A}"/>
               </a:ext>
             </a:extLst>
           </p:cNvPr>
@@ -712,7 +712,7 @@
           <a:bodyPr/>
           <a:lstStyle/>
           <a:p>
-            <a:fld id="{37649840-ECA1-47FC-9C02-F9A5AA0F523E}" type="slidenum">
+            <a:fld id="{EAF215F4-636B-4E57-9EB3-E1AF45745DD9}" type="slidenum">
               <a:rPr lang="zh-CN" altLang="en-US" smtClean="0"/>
               <a:t>‹#›</a:t>
             </a:fld>
@@ -723,7 +723,7 @@
     </p:spTree>
     <p:extLst>
       <p:ext uri="{BB962C8B-B14F-4D97-AF65-F5344CB8AC3E}">
-        <p14:creationId xmlns:p14="http://schemas.microsoft.com/office/powerpoint/2010/main" val="2464838426"/>
+        <p14:creationId xmlns:p14="http://schemas.microsoft.com/office/powerpoint/2010/main" val="1204006352"/>
       </p:ext>
     </p:extLst>
   </p:cSld>
@@ -755,7 +755,7 @@
           <p:cNvPr id="2" name="标题 1">
             <a:extLst>
               <a:ext uri="{FF2B5EF4-FFF2-40B4-BE49-F238E27FC236}">
-                <a16:creationId xmlns:a16="http://schemas.microsoft.com/office/drawing/2014/main" id="{DB773B02-7F57-B479-8D01-A18F130264F9}"/>
+                <a16:creationId xmlns:a16="http://schemas.microsoft.com/office/drawing/2014/main" id="{32D42D7B-8872-9CE0-6AF7-86A33EC99E8F}"/>
               </a:ext>
             </a:extLst>
           </p:cNvPr>
@@ -783,7 +783,7 @@
           <p:cNvPr id="3" name="内容占位符 2">
             <a:extLst>
               <a:ext uri="{FF2B5EF4-FFF2-40B4-BE49-F238E27FC236}">
-                <a16:creationId xmlns:a16="http://schemas.microsoft.com/office/drawing/2014/main" id="{2AE34BB9-16ED-BEB4-5E29-A2BE599900FC}"/>
+                <a16:creationId xmlns:a16="http://schemas.microsoft.com/office/drawing/2014/main" id="{A5D540BF-E14C-6DF7-692B-149B226CC794}"/>
               </a:ext>
             </a:extLst>
           </p:cNvPr>
@@ -840,7 +840,7 @@
           <p:cNvPr id="4" name="日期占位符 3">
             <a:extLst>
               <a:ext uri="{FF2B5EF4-FFF2-40B4-BE49-F238E27FC236}">
-                <a16:creationId xmlns:a16="http://schemas.microsoft.com/office/drawing/2014/main" id="{D29E2552-A9AA-519D-D2B3-1E4F4B607E95}"/>
+                <a16:creationId xmlns:a16="http://schemas.microsoft.com/office/drawing/2014/main" id="{A70CAACE-687E-E22F-8FAA-FCEF12369178}"/>
               </a:ext>
             </a:extLst>
           </p:cNvPr>
@@ -856,7 +856,7 @@
           <a:bodyPr/>
           <a:lstStyle/>
           <a:p>
-            <a:fld id="{C5E3D34A-E3C8-4104-A299-7D530262C3A3}" type="datetimeFigureOut">
+            <a:fld id="{224D48F1-E062-4BC6-8276-9B7AB69CE4C6}" type="datetimeFigureOut">
               <a:rPr lang="zh-CN" altLang="en-US" smtClean="0"/>
               <a:t>2024/3/10</a:t>
             </a:fld>
@@ -869,7 +869,7 @@
           <p:cNvPr id="5" name="页脚占位符 4">
             <a:extLst>
               <a:ext uri="{FF2B5EF4-FFF2-40B4-BE49-F238E27FC236}">
-                <a16:creationId xmlns:a16="http://schemas.microsoft.com/office/drawing/2014/main" id="{9C4E741E-E60F-1128-5A17-720E0CEAED70}"/>
+                <a16:creationId xmlns:a16="http://schemas.microsoft.com/office/drawing/2014/main" id="{DCAEF3E9-F8BA-754B-2C7D-46899FB45C3B}"/>
               </a:ext>
             </a:extLst>
           </p:cNvPr>
@@ -894,7 +894,7 @@
           <p:cNvPr id="6" name="灯片编号占位符 5">
             <a:extLst>
               <a:ext uri="{FF2B5EF4-FFF2-40B4-BE49-F238E27FC236}">
-                <a16:creationId xmlns:a16="http://schemas.microsoft.com/office/drawing/2014/main" id="{166F8BED-31A6-A58E-1F2F-F38954563E2D}"/>
+                <a16:creationId xmlns:a16="http://schemas.microsoft.com/office/drawing/2014/main" id="{055DF714-7ED6-7A4B-25AA-261A31650A08}"/>
               </a:ext>
             </a:extLst>
           </p:cNvPr>
@@ -910,7 +910,7 @@
           <a:bodyPr/>
           <a:lstStyle/>
           <a:p>
-            <a:fld id="{37649840-ECA1-47FC-9C02-F9A5AA0F523E}" type="slidenum">
+            <a:fld id="{EAF215F4-636B-4E57-9EB3-E1AF45745DD9}" type="slidenum">
               <a:rPr lang="zh-CN" altLang="en-US" smtClean="0"/>
               <a:t>‹#›</a:t>
             </a:fld>
@@ -921,7 +921,7 @@
     </p:spTree>
     <p:extLst>
       <p:ext uri="{BB962C8B-B14F-4D97-AF65-F5344CB8AC3E}">
-        <p14:creationId xmlns:p14="http://schemas.microsoft.com/office/powerpoint/2010/main" val="2200372571"/>
+        <p14:creationId xmlns:p14="http://schemas.microsoft.com/office/powerpoint/2010/main" val="1793924465"/>
       </p:ext>
     </p:extLst>
   </p:cSld>
@@ -953,7 +953,7 @@
           <p:cNvPr id="2" name="标题 1">
             <a:extLst>
               <a:ext uri="{FF2B5EF4-FFF2-40B4-BE49-F238E27FC236}">
-                <a16:creationId xmlns:a16="http://schemas.microsoft.com/office/drawing/2014/main" id="{67B88878-521A-AC0C-46D1-A3A45C59274C}"/>
+                <a16:creationId xmlns:a16="http://schemas.microsoft.com/office/drawing/2014/main" id="{029C08FA-65E6-962A-43C3-5E6C9FE01D00}"/>
               </a:ext>
             </a:extLst>
           </p:cNvPr>
@@ -990,7 +990,7 @@
           <p:cNvPr id="3" name="文本占位符 2">
             <a:extLst>
               <a:ext uri="{FF2B5EF4-FFF2-40B4-BE49-F238E27FC236}">
-                <a16:creationId xmlns:a16="http://schemas.microsoft.com/office/drawing/2014/main" id="{0C304622-2BA3-5512-30CC-67751E8C0601}"/>
+                <a16:creationId xmlns:a16="http://schemas.microsoft.com/office/drawing/2014/main" id="{363A17F3-C2FD-C98C-ED51-B11362C6004C}"/>
               </a:ext>
             </a:extLst>
           </p:cNvPr>
@@ -1115,7 +1115,7 @@
           <p:cNvPr id="4" name="日期占位符 3">
             <a:extLst>
               <a:ext uri="{FF2B5EF4-FFF2-40B4-BE49-F238E27FC236}">
-                <a16:creationId xmlns:a16="http://schemas.microsoft.com/office/drawing/2014/main" id="{D9989501-7CDB-2DC5-2BAD-261D8D65EBC4}"/>
+                <a16:creationId xmlns:a16="http://schemas.microsoft.com/office/drawing/2014/main" id="{840B9794-9CC8-5AA4-9575-50B9BE4D66ED}"/>
               </a:ext>
             </a:extLst>
           </p:cNvPr>
@@ -1131,7 +1131,7 @@
           <a:bodyPr/>
           <a:lstStyle/>
           <a:p>
-            <a:fld id="{C5E3D34A-E3C8-4104-A299-7D530262C3A3}" type="datetimeFigureOut">
+            <a:fld id="{224D48F1-E062-4BC6-8276-9B7AB69CE4C6}" type="datetimeFigureOut">
               <a:rPr lang="zh-CN" altLang="en-US" smtClean="0"/>
               <a:t>2024/3/10</a:t>
             </a:fld>
@@ -1144,7 +1144,7 @@
           <p:cNvPr id="5" name="页脚占位符 4">
             <a:extLst>
               <a:ext uri="{FF2B5EF4-FFF2-40B4-BE49-F238E27FC236}">
-                <a16:creationId xmlns:a16="http://schemas.microsoft.com/office/drawing/2014/main" id="{4A4D7508-4CE6-4427-D390-4728981B93F4}"/>
+                <a16:creationId xmlns:a16="http://schemas.microsoft.com/office/drawing/2014/main" id="{BEA8C29B-CF90-9D82-4ACC-E945800F6B88}"/>
               </a:ext>
             </a:extLst>
           </p:cNvPr>
@@ -1169,7 +1169,7 @@
           <p:cNvPr id="6" name="灯片编号占位符 5">
             <a:extLst>
               <a:ext uri="{FF2B5EF4-FFF2-40B4-BE49-F238E27FC236}">
-                <a16:creationId xmlns:a16="http://schemas.microsoft.com/office/drawing/2014/main" id="{D46A25C0-7BEF-6F43-8AFC-CA5BC821BC9D}"/>
+                <a16:creationId xmlns:a16="http://schemas.microsoft.com/office/drawing/2014/main" id="{995E043A-A1AA-EA27-360D-B425AD72D612}"/>
               </a:ext>
             </a:extLst>
           </p:cNvPr>
@@ -1185,7 +1185,7 @@
           <a:bodyPr/>
           <a:lstStyle/>
           <a:p>
-            <a:fld id="{37649840-ECA1-47FC-9C02-F9A5AA0F523E}" type="slidenum">
+            <a:fld id="{EAF215F4-636B-4E57-9EB3-E1AF45745DD9}" type="slidenum">
               <a:rPr lang="zh-CN" altLang="en-US" smtClean="0"/>
               <a:t>‹#›</a:t>
             </a:fld>
@@ -1196,7 +1196,7 @@
     </p:spTree>
     <p:extLst>
       <p:ext uri="{BB962C8B-B14F-4D97-AF65-F5344CB8AC3E}">
-        <p14:creationId xmlns:p14="http://schemas.microsoft.com/office/powerpoint/2010/main" val="2604410951"/>
+        <p14:creationId xmlns:p14="http://schemas.microsoft.com/office/powerpoint/2010/main" val="1179208356"/>
       </p:ext>
     </p:extLst>
   </p:cSld>
@@ -1228,7 +1228,7 @@
           <p:cNvPr id="2" name="标题 1">
             <a:extLst>
               <a:ext uri="{FF2B5EF4-FFF2-40B4-BE49-F238E27FC236}">
-                <a16:creationId xmlns:a16="http://schemas.microsoft.com/office/drawing/2014/main" id="{0FA67580-486E-AB41-5FE2-86AF4EB7C713}"/>
+                <a16:creationId xmlns:a16="http://schemas.microsoft.com/office/drawing/2014/main" id="{1F9BFE83-95AC-18AC-D7D3-B23F371CDFA3}"/>
               </a:ext>
             </a:extLst>
           </p:cNvPr>
@@ -1256,7 +1256,7 @@
           <p:cNvPr id="3" name="内容占位符 2">
             <a:extLst>
               <a:ext uri="{FF2B5EF4-FFF2-40B4-BE49-F238E27FC236}">
-                <a16:creationId xmlns:a16="http://schemas.microsoft.com/office/drawing/2014/main" id="{CAB133F0-8E2C-FCE6-9964-53A5ED970769}"/>
+                <a16:creationId xmlns:a16="http://schemas.microsoft.com/office/drawing/2014/main" id="{E6FEB412-A6D1-48AE-362A-54B8CD976643}"/>
               </a:ext>
             </a:extLst>
           </p:cNvPr>
@@ -1318,7 +1318,7 @@
           <p:cNvPr id="4" name="内容占位符 3">
             <a:extLst>
               <a:ext uri="{FF2B5EF4-FFF2-40B4-BE49-F238E27FC236}">
-                <a16:creationId xmlns:a16="http://schemas.microsoft.com/office/drawing/2014/main" id="{2CCD4DFF-33B8-6B86-A508-BB984C3A158E}"/>
+                <a16:creationId xmlns:a16="http://schemas.microsoft.com/office/drawing/2014/main" id="{D666612C-828A-A61D-CC57-4856E055F837}"/>
               </a:ext>
             </a:extLst>
           </p:cNvPr>
@@ -1380,7 +1380,7 @@
           <p:cNvPr id="5" name="日期占位符 4">
             <a:extLst>
               <a:ext uri="{FF2B5EF4-FFF2-40B4-BE49-F238E27FC236}">
-                <a16:creationId xmlns:a16="http://schemas.microsoft.com/office/drawing/2014/main" id="{E5F62D99-FE02-5CD1-9DC1-43DC6D4B7BA5}"/>
+                <a16:creationId xmlns:a16="http://schemas.microsoft.com/office/drawing/2014/main" id="{033D8C29-6975-C38C-3EE2-F7C9DD1E296A}"/>
               </a:ext>
             </a:extLst>
           </p:cNvPr>
@@ -1396,7 +1396,7 @@
           <a:bodyPr/>
           <a:lstStyle/>
           <a:p>
-            <a:fld id="{C5E3D34A-E3C8-4104-A299-7D530262C3A3}" type="datetimeFigureOut">
+            <a:fld id="{224D48F1-E062-4BC6-8276-9B7AB69CE4C6}" type="datetimeFigureOut">
               <a:rPr lang="zh-CN" altLang="en-US" smtClean="0"/>
               <a:t>2024/3/10</a:t>
             </a:fld>
@@ -1409,7 +1409,7 @@
           <p:cNvPr id="6" name="页脚占位符 5">
             <a:extLst>
               <a:ext uri="{FF2B5EF4-FFF2-40B4-BE49-F238E27FC236}">
-                <a16:creationId xmlns:a16="http://schemas.microsoft.com/office/drawing/2014/main" id="{8EBDE00E-C808-2CAD-F14B-E32B62C05D93}"/>
+                <a16:creationId xmlns:a16="http://schemas.microsoft.com/office/drawing/2014/main" id="{9C06DA35-CE9E-3980-FD21-5E7934C9B55B}"/>
               </a:ext>
             </a:extLst>
           </p:cNvPr>
@@ -1434,7 +1434,7 @@
           <p:cNvPr id="7" name="灯片编号占位符 6">
             <a:extLst>
               <a:ext uri="{FF2B5EF4-FFF2-40B4-BE49-F238E27FC236}">
-                <a16:creationId xmlns:a16="http://schemas.microsoft.com/office/drawing/2014/main" id="{26C76779-F7B8-7F70-6EBD-68811B49C1BA}"/>
+                <a16:creationId xmlns:a16="http://schemas.microsoft.com/office/drawing/2014/main" id="{67180596-76A9-2FF6-A3F0-9E1891FC7A7E}"/>
               </a:ext>
             </a:extLst>
           </p:cNvPr>
@@ -1450,7 +1450,7 @@
           <a:bodyPr/>
           <a:lstStyle/>
           <a:p>
-            <a:fld id="{37649840-ECA1-47FC-9C02-F9A5AA0F523E}" type="slidenum">
+            <a:fld id="{EAF215F4-636B-4E57-9EB3-E1AF45745DD9}" type="slidenum">
               <a:rPr lang="zh-CN" altLang="en-US" smtClean="0"/>
               <a:t>‹#›</a:t>
             </a:fld>
@@ -1461,7 +1461,7 @@
     </p:spTree>
     <p:extLst>
       <p:ext uri="{BB962C8B-B14F-4D97-AF65-F5344CB8AC3E}">
-        <p14:creationId xmlns:p14="http://schemas.microsoft.com/office/powerpoint/2010/main" val="732629212"/>
+        <p14:creationId xmlns:p14="http://schemas.microsoft.com/office/powerpoint/2010/main" val="1239480994"/>
       </p:ext>
     </p:extLst>
   </p:cSld>
@@ -1493,7 +1493,7 @@
           <p:cNvPr id="2" name="标题 1">
             <a:extLst>
               <a:ext uri="{FF2B5EF4-FFF2-40B4-BE49-F238E27FC236}">
-                <a16:creationId xmlns:a16="http://schemas.microsoft.com/office/drawing/2014/main" id="{3F97E12B-36EB-DBA9-F876-4A0281597FDD}"/>
+                <a16:creationId xmlns:a16="http://schemas.microsoft.com/office/drawing/2014/main" id="{DEB6F4A5-6FA4-B0EE-D423-B704470DA2DD}"/>
               </a:ext>
             </a:extLst>
           </p:cNvPr>
@@ -1526,7 +1526,7 @@
           <p:cNvPr id="3" name="文本占位符 2">
             <a:extLst>
               <a:ext uri="{FF2B5EF4-FFF2-40B4-BE49-F238E27FC236}">
-                <a16:creationId xmlns:a16="http://schemas.microsoft.com/office/drawing/2014/main" id="{22B8ECA1-6B0F-F806-323A-476213D55973}"/>
+                <a16:creationId xmlns:a16="http://schemas.microsoft.com/office/drawing/2014/main" id="{A51FC714-620F-DF58-A7A7-69495C0DDCDA}"/>
               </a:ext>
             </a:extLst>
           </p:cNvPr>
@@ -1597,7 +1597,7 @@
           <p:cNvPr id="4" name="内容占位符 3">
             <a:extLst>
               <a:ext uri="{FF2B5EF4-FFF2-40B4-BE49-F238E27FC236}">
-                <a16:creationId xmlns:a16="http://schemas.microsoft.com/office/drawing/2014/main" id="{E94D8B27-D896-1188-6204-B49A88115358}"/>
+                <a16:creationId xmlns:a16="http://schemas.microsoft.com/office/drawing/2014/main" id="{8016C559-768A-33F3-695F-3E980AB67135}"/>
               </a:ext>
             </a:extLst>
           </p:cNvPr>
@@ -1659,7 +1659,7 @@
           <p:cNvPr id="5" name="文本占位符 4">
             <a:extLst>
               <a:ext uri="{FF2B5EF4-FFF2-40B4-BE49-F238E27FC236}">
-                <a16:creationId xmlns:a16="http://schemas.microsoft.com/office/drawing/2014/main" id="{65D00728-4DC3-2889-A9F0-F4CEF36964DA}"/>
+                <a16:creationId xmlns:a16="http://schemas.microsoft.com/office/drawing/2014/main" id="{06F4EAC9-8E85-006E-7E0E-FC6A5B6CC46A}"/>
               </a:ext>
             </a:extLst>
           </p:cNvPr>
@@ -1730,7 +1730,7 @@
           <p:cNvPr id="6" name="内容占位符 5">
             <a:extLst>
               <a:ext uri="{FF2B5EF4-FFF2-40B4-BE49-F238E27FC236}">
-                <a16:creationId xmlns:a16="http://schemas.microsoft.com/office/drawing/2014/main" id="{703BC729-820B-E7BA-A592-EBB42B4C4A78}"/>
+                <a16:creationId xmlns:a16="http://schemas.microsoft.com/office/drawing/2014/main" id="{9C98B234-2D60-6B58-9EE8-2A37074042DC}"/>
               </a:ext>
             </a:extLst>
           </p:cNvPr>
@@ -1792,7 +1792,7 @@
           <p:cNvPr id="7" name="日期占位符 6">
             <a:extLst>
               <a:ext uri="{FF2B5EF4-FFF2-40B4-BE49-F238E27FC236}">
-                <a16:creationId xmlns:a16="http://schemas.microsoft.com/office/drawing/2014/main" id="{C50605B3-4BD9-EF1D-A9A0-9F6A324073A8}"/>
+                <a16:creationId xmlns:a16="http://schemas.microsoft.com/office/drawing/2014/main" id="{5E01A3BB-1DFA-243C-05EC-0A2459C94F26}"/>
               </a:ext>
             </a:extLst>
           </p:cNvPr>
@@ -1808,7 +1808,7 @@
           <a:bodyPr/>
           <a:lstStyle/>
           <a:p>
-            <a:fld id="{C5E3D34A-E3C8-4104-A299-7D530262C3A3}" type="datetimeFigureOut">
+            <a:fld id="{224D48F1-E062-4BC6-8276-9B7AB69CE4C6}" type="datetimeFigureOut">
               <a:rPr lang="zh-CN" altLang="en-US" smtClean="0"/>
               <a:t>2024/3/10</a:t>
             </a:fld>
@@ -1821,7 +1821,7 @@
           <p:cNvPr id="8" name="页脚占位符 7">
             <a:extLst>
               <a:ext uri="{FF2B5EF4-FFF2-40B4-BE49-F238E27FC236}">
-                <a16:creationId xmlns:a16="http://schemas.microsoft.com/office/drawing/2014/main" id="{084EBCB2-4143-AF9F-F4C5-ED654289CABF}"/>
+                <a16:creationId xmlns:a16="http://schemas.microsoft.com/office/drawing/2014/main" id="{4F0B6F98-6AA3-832A-5281-B2E91925EC7F}"/>
               </a:ext>
             </a:extLst>
           </p:cNvPr>
@@ -1846,7 +1846,7 @@
           <p:cNvPr id="9" name="灯片编号占位符 8">
             <a:extLst>
               <a:ext uri="{FF2B5EF4-FFF2-40B4-BE49-F238E27FC236}">
-                <a16:creationId xmlns:a16="http://schemas.microsoft.com/office/drawing/2014/main" id="{8E4C76E6-AA60-D214-9942-95BAF8EE588B}"/>
+                <a16:creationId xmlns:a16="http://schemas.microsoft.com/office/drawing/2014/main" id="{45EB9A16-7364-D821-C4DB-880682D2778E}"/>
               </a:ext>
             </a:extLst>
           </p:cNvPr>
@@ -1862,7 +1862,7 @@
           <a:bodyPr/>
           <a:lstStyle/>
           <a:p>
-            <a:fld id="{37649840-ECA1-47FC-9C02-F9A5AA0F523E}" type="slidenum">
+            <a:fld id="{EAF215F4-636B-4E57-9EB3-E1AF45745DD9}" type="slidenum">
               <a:rPr lang="zh-CN" altLang="en-US" smtClean="0"/>
               <a:t>‹#›</a:t>
             </a:fld>
@@ -1873,7 +1873,7 @@
     </p:spTree>
     <p:extLst>
       <p:ext uri="{BB962C8B-B14F-4D97-AF65-F5344CB8AC3E}">
-        <p14:creationId xmlns:p14="http://schemas.microsoft.com/office/powerpoint/2010/main" val="1691973644"/>
+        <p14:creationId xmlns:p14="http://schemas.microsoft.com/office/powerpoint/2010/main" val="1368462369"/>
       </p:ext>
     </p:extLst>
   </p:cSld>
@@ -1905,7 +1905,7 @@
           <p:cNvPr id="2" name="标题 1">
             <a:extLst>
               <a:ext uri="{FF2B5EF4-FFF2-40B4-BE49-F238E27FC236}">
-                <a16:creationId xmlns:a16="http://schemas.microsoft.com/office/drawing/2014/main" id="{D7B6B5C2-B724-80DC-3C82-DE01D5B97419}"/>
+                <a16:creationId xmlns:a16="http://schemas.microsoft.com/office/drawing/2014/main" id="{71651A8D-1741-A03F-7A1F-2B6F0D84CB66}"/>
               </a:ext>
             </a:extLst>
           </p:cNvPr>
@@ -1933,7 +1933,7 @@
           <p:cNvPr id="3" name="日期占位符 2">
             <a:extLst>
               <a:ext uri="{FF2B5EF4-FFF2-40B4-BE49-F238E27FC236}">
-                <a16:creationId xmlns:a16="http://schemas.microsoft.com/office/drawing/2014/main" id="{61DCD0A4-E1CB-2105-A41A-78E862158B0F}"/>
+                <a16:creationId xmlns:a16="http://schemas.microsoft.com/office/drawing/2014/main" id="{18E8E944-F8BE-4DA1-F099-266628F03E7D}"/>
               </a:ext>
             </a:extLst>
           </p:cNvPr>
@@ -1949,7 +1949,7 @@
           <a:bodyPr/>
           <a:lstStyle/>
           <a:p>
-            <a:fld id="{C5E3D34A-E3C8-4104-A299-7D530262C3A3}" type="datetimeFigureOut">
+            <a:fld id="{224D48F1-E062-4BC6-8276-9B7AB69CE4C6}" type="datetimeFigureOut">
               <a:rPr lang="zh-CN" altLang="en-US" smtClean="0"/>
               <a:t>2024/3/10</a:t>
             </a:fld>
@@ -1962,7 +1962,7 @@
           <p:cNvPr id="4" name="页脚占位符 3">
             <a:extLst>
               <a:ext uri="{FF2B5EF4-FFF2-40B4-BE49-F238E27FC236}">
-                <a16:creationId xmlns:a16="http://schemas.microsoft.com/office/drawing/2014/main" id="{BC2A730D-0C2C-A1A8-9265-7EDF66A9F5E9}"/>
+                <a16:creationId xmlns:a16="http://schemas.microsoft.com/office/drawing/2014/main" id="{3EB6629F-4E72-6F84-C673-6CFF09754AA2}"/>
               </a:ext>
             </a:extLst>
           </p:cNvPr>
@@ -1987,7 +1987,7 @@
           <p:cNvPr id="5" name="灯片编号占位符 4">
             <a:extLst>
               <a:ext uri="{FF2B5EF4-FFF2-40B4-BE49-F238E27FC236}">
-                <a16:creationId xmlns:a16="http://schemas.microsoft.com/office/drawing/2014/main" id="{4154EEB1-CD43-A066-F405-2E5545B66C12}"/>
+                <a16:creationId xmlns:a16="http://schemas.microsoft.com/office/drawing/2014/main" id="{7A756DB0-8A19-F9FA-00F0-DF1972B3476B}"/>
               </a:ext>
             </a:extLst>
           </p:cNvPr>
@@ -2003,7 +2003,7 @@
           <a:bodyPr/>
           <a:lstStyle/>
           <a:p>
-            <a:fld id="{37649840-ECA1-47FC-9C02-F9A5AA0F523E}" type="slidenum">
+            <a:fld id="{EAF215F4-636B-4E57-9EB3-E1AF45745DD9}" type="slidenum">
               <a:rPr lang="zh-CN" altLang="en-US" smtClean="0"/>
               <a:t>‹#›</a:t>
             </a:fld>
@@ -2014,7 +2014,7 @@
     </p:spTree>
     <p:extLst>
       <p:ext uri="{BB962C8B-B14F-4D97-AF65-F5344CB8AC3E}">
-        <p14:creationId xmlns:p14="http://schemas.microsoft.com/office/powerpoint/2010/main" val="3876799425"/>
+        <p14:creationId xmlns:p14="http://schemas.microsoft.com/office/powerpoint/2010/main" val="1891606412"/>
       </p:ext>
     </p:extLst>
   </p:cSld>
@@ -2046,7 +2046,7 @@
           <p:cNvPr id="2" name="日期占位符 1">
             <a:extLst>
               <a:ext uri="{FF2B5EF4-FFF2-40B4-BE49-F238E27FC236}">
-                <a16:creationId xmlns:a16="http://schemas.microsoft.com/office/drawing/2014/main" id="{02C227C0-23E6-3789-7C53-DF135B499C4E}"/>
+                <a16:creationId xmlns:a16="http://schemas.microsoft.com/office/drawing/2014/main" id="{D264EAC0-E3B6-34AC-23F0-CB8D5930C7BD}"/>
               </a:ext>
             </a:extLst>
           </p:cNvPr>
@@ -2062,7 +2062,7 @@
           <a:bodyPr/>
           <a:lstStyle/>
           <a:p>
-            <a:fld id="{C5E3D34A-E3C8-4104-A299-7D530262C3A3}" type="datetimeFigureOut">
+            <a:fld id="{224D48F1-E062-4BC6-8276-9B7AB69CE4C6}" type="datetimeFigureOut">
               <a:rPr lang="zh-CN" altLang="en-US" smtClean="0"/>
               <a:t>2024/3/10</a:t>
             </a:fld>
@@ -2075,7 +2075,7 @@
           <p:cNvPr id="3" name="页脚占位符 2">
             <a:extLst>
               <a:ext uri="{FF2B5EF4-FFF2-40B4-BE49-F238E27FC236}">
-                <a16:creationId xmlns:a16="http://schemas.microsoft.com/office/drawing/2014/main" id="{80042F8F-F730-A8B4-468D-D006499A43DE}"/>
+                <a16:creationId xmlns:a16="http://schemas.microsoft.com/office/drawing/2014/main" id="{7CBF39B6-0A5C-B7CA-8769-84CD6629A1ED}"/>
               </a:ext>
             </a:extLst>
           </p:cNvPr>
@@ -2100,7 +2100,7 @@
           <p:cNvPr id="4" name="灯片编号占位符 3">
             <a:extLst>
               <a:ext uri="{FF2B5EF4-FFF2-40B4-BE49-F238E27FC236}">
-                <a16:creationId xmlns:a16="http://schemas.microsoft.com/office/drawing/2014/main" id="{8795ACB8-9BFD-A117-DB38-452BE1F46B34}"/>
+                <a16:creationId xmlns:a16="http://schemas.microsoft.com/office/drawing/2014/main" id="{89491319-1983-BD7C-6146-C340DE71C8F4}"/>
               </a:ext>
             </a:extLst>
           </p:cNvPr>
@@ -2116,7 +2116,7 @@
           <a:bodyPr/>
           <a:lstStyle/>
           <a:p>
-            <a:fld id="{37649840-ECA1-47FC-9C02-F9A5AA0F523E}" type="slidenum">
+            <a:fld id="{EAF215F4-636B-4E57-9EB3-E1AF45745DD9}" type="slidenum">
               <a:rPr lang="zh-CN" altLang="en-US" smtClean="0"/>
               <a:t>‹#›</a:t>
             </a:fld>
@@ -2127,7 +2127,7 @@
     </p:spTree>
     <p:extLst>
       <p:ext uri="{BB962C8B-B14F-4D97-AF65-F5344CB8AC3E}">
-        <p14:creationId xmlns:p14="http://schemas.microsoft.com/office/powerpoint/2010/main" val="404060372"/>
+        <p14:creationId xmlns:p14="http://schemas.microsoft.com/office/powerpoint/2010/main" val="3758814994"/>
       </p:ext>
     </p:extLst>
   </p:cSld>
@@ -2159,7 +2159,7 @@
           <p:cNvPr id="2" name="标题 1">
             <a:extLst>
               <a:ext uri="{FF2B5EF4-FFF2-40B4-BE49-F238E27FC236}">
-                <a16:creationId xmlns:a16="http://schemas.microsoft.com/office/drawing/2014/main" id="{267AEA7F-441D-D6A4-817C-F01B36D29CA7}"/>
+                <a16:creationId xmlns:a16="http://schemas.microsoft.com/office/drawing/2014/main" id="{BB9A0863-9421-9DD5-637D-905B520B1944}"/>
               </a:ext>
             </a:extLst>
           </p:cNvPr>
@@ -2196,7 +2196,7 @@
           <p:cNvPr id="3" name="内容占位符 2">
             <a:extLst>
               <a:ext uri="{FF2B5EF4-FFF2-40B4-BE49-F238E27FC236}">
-                <a16:creationId xmlns:a16="http://schemas.microsoft.com/office/drawing/2014/main" id="{961810A2-76AE-DED5-6CDD-1CC9DA476345}"/>
+                <a16:creationId xmlns:a16="http://schemas.microsoft.com/office/drawing/2014/main" id="{0471AE95-F17A-88BD-3F87-51C615E8FDA9}"/>
               </a:ext>
             </a:extLst>
           </p:cNvPr>
@@ -2286,7 +2286,7 @@
           <p:cNvPr id="4" name="文本占位符 3">
             <a:extLst>
               <a:ext uri="{FF2B5EF4-FFF2-40B4-BE49-F238E27FC236}">
-                <a16:creationId xmlns:a16="http://schemas.microsoft.com/office/drawing/2014/main" id="{F91EAE6C-AA94-9822-BD2E-9F2E977CA2D8}"/>
+                <a16:creationId xmlns:a16="http://schemas.microsoft.com/office/drawing/2014/main" id="{00B5C944-3AE1-FDAB-3186-0F10D07637B1}"/>
               </a:ext>
             </a:extLst>
           </p:cNvPr>
@@ -2357,7 +2357,7 @@
           <p:cNvPr id="5" name="日期占位符 4">
             <a:extLst>
               <a:ext uri="{FF2B5EF4-FFF2-40B4-BE49-F238E27FC236}">
-                <a16:creationId xmlns:a16="http://schemas.microsoft.com/office/drawing/2014/main" id="{73EE1501-6CA9-B025-BF52-B2EAF724FE98}"/>
+                <a16:creationId xmlns:a16="http://schemas.microsoft.com/office/drawing/2014/main" id="{38641180-D183-3536-4475-6555DF265B8C}"/>
               </a:ext>
             </a:extLst>
           </p:cNvPr>
@@ -2373,7 +2373,7 @@
           <a:bodyPr/>
           <a:lstStyle/>
           <a:p>
-            <a:fld id="{C5E3D34A-E3C8-4104-A299-7D530262C3A3}" type="datetimeFigureOut">
+            <a:fld id="{224D48F1-E062-4BC6-8276-9B7AB69CE4C6}" type="datetimeFigureOut">
               <a:rPr lang="zh-CN" altLang="en-US" smtClean="0"/>
               <a:t>2024/3/10</a:t>
             </a:fld>
@@ -2386,7 +2386,7 @@
           <p:cNvPr id="6" name="页脚占位符 5">
             <a:extLst>
               <a:ext uri="{FF2B5EF4-FFF2-40B4-BE49-F238E27FC236}">
-                <a16:creationId xmlns:a16="http://schemas.microsoft.com/office/drawing/2014/main" id="{82FE2DC4-7690-8590-2AE7-3DED28A12BE9}"/>
+                <a16:creationId xmlns:a16="http://schemas.microsoft.com/office/drawing/2014/main" id="{8B8981B4-FF30-0ACA-7A3F-525EF4FDD5D3}"/>
               </a:ext>
             </a:extLst>
           </p:cNvPr>
@@ -2411,7 +2411,7 @@
           <p:cNvPr id="7" name="灯片编号占位符 6">
             <a:extLst>
               <a:ext uri="{FF2B5EF4-FFF2-40B4-BE49-F238E27FC236}">
-                <a16:creationId xmlns:a16="http://schemas.microsoft.com/office/drawing/2014/main" id="{99B31C5C-620C-7B9D-8C9D-7298CF9A0B8A}"/>
+                <a16:creationId xmlns:a16="http://schemas.microsoft.com/office/drawing/2014/main" id="{EA77EF02-6E71-579E-40B8-C2EF2D18533A}"/>
               </a:ext>
             </a:extLst>
           </p:cNvPr>
@@ -2427,7 +2427,7 @@
           <a:bodyPr/>
           <a:lstStyle/>
           <a:p>
-            <a:fld id="{37649840-ECA1-47FC-9C02-F9A5AA0F523E}" type="slidenum">
+            <a:fld id="{EAF215F4-636B-4E57-9EB3-E1AF45745DD9}" type="slidenum">
               <a:rPr lang="zh-CN" altLang="en-US" smtClean="0"/>
               <a:t>‹#›</a:t>
             </a:fld>
@@ -2438,7 +2438,7 @@
     </p:spTree>
     <p:extLst>
       <p:ext uri="{BB962C8B-B14F-4D97-AF65-F5344CB8AC3E}">
-        <p14:creationId xmlns:p14="http://schemas.microsoft.com/office/powerpoint/2010/main" val="271690262"/>
+        <p14:creationId xmlns:p14="http://schemas.microsoft.com/office/powerpoint/2010/main" val="1165821071"/>
       </p:ext>
     </p:extLst>
   </p:cSld>
@@ -2470,7 +2470,7 @@
           <p:cNvPr id="2" name="标题 1">
             <a:extLst>
               <a:ext uri="{FF2B5EF4-FFF2-40B4-BE49-F238E27FC236}">
-                <a16:creationId xmlns:a16="http://schemas.microsoft.com/office/drawing/2014/main" id="{43573322-5F60-5BC5-E00A-4CF300672CE3}"/>
+                <a16:creationId xmlns:a16="http://schemas.microsoft.com/office/drawing/2014/main" id="{91472CF4-9FE6-10EF-AA83-948B750DF734}"/>
               </a:ext>
             </a:extLst>
           </p:cNvPr>
@@ -2507,7 +2507,7 @@
           <p:cNvPr id="3" name="图片占位符 2">
             <a:extLst>
               <a:ext uri="{FF2B5EF4-FFF2-40B4-BE49-F238E27FC236}">
-                <a16:creationId xmlns:a16="http://schemas.microsoft.com/office/drawing/2014/main" id="{6B943480-4EB1-1D27-D589-06BEDE78B9AC}"/>
+                <a16:creationId xmlns:a16="http://schemas.microsoft.com/office/drawing/2014/main" id="{23F9EC20-BC99-B376-5740-5DE0BEC02F0B}"/>
               </a:ext>
             </a:extLst>
           </p:cNvPr>
@@ -2574,7 +2574,7 @@
           <p:cNvPr id="4" name="文本占位符 3">
             <a:extLst>
               <a:ext uri="{FF2B5EF4-FFF2-40B4-BE49-F238E27FC236}">
-                <a16:creationId xmlns:a16="http://schemas.microsoft.com/office/drawing/2014/main" id="{FD345993-8232-E221-B206-E2DC9AD3C667}"/>
+                <a16:creationId xmlns:a16="http://schemas.microsoft.com/office/drawing/2014/main" id="{52965F72-2FAA-8DCA-4267-640B4EFFB217}"/>
               </a:ext>
             </a:extLst>
           </p:cNvPr>
@@ -2645,7 +2645,7 @@
           <p:cNvPr id="5" name="日期占位符 4">
             <a:extLst>
               <a:ext uri="{FF2B5EF4-FFF2-40B4-BE49-F238E27FC236}">
-                <a16:creationId xmlns:a16="http://schemas.microsoft.com/office/drawing/2014/main" id="{78F88859-2602-6313-C578-6FAD288BE7D6}"/>
+                <a16:creationId xmlns:a16="http://schemas.microsoft.com/office/drawing/2014/main" id="{4918FF55-0CCB-F23F-8CE2-61022E859405}"/>
               </a:ext>
             </a:extLst>
           </p:cNvPr>
@@ -2661,7 +2661,7 @@
           <a:bodyPr/>
           <a:lstStyle/>
           <a:p>
-            <a:fld id="{C5E3D34A-E3C8-4104-A299-7D530262C3A3}" type="datetimeFigureOut">
+            <a:fld id="{224D48F1-E062-4BC6-8276-9B7AB69CE4C6}" type="datetimeFigureOut">
               <a:rPr lang="zh-CN" altLang="en-US" smtClean="0"/>
               <a:t>2024/3/10</a:t>
             </a:fld>
@@ -2674,7 +2674,7 @@
           <p:cNvPr id="6" name="页脚占位符 5">
             <a:extLst>
               <a:ext uri="{FF2B5EF4-FFF2-40B4-BE49-F238E27FC236}">
-                <a16:creationId xmlns:a16="http://schemas.microsoft.com/office/drawing/2014/main" id="{157F5251-C58F-9112-A318-EBEB92116D7F}"/>
+                <a16:creationId xmlns:a16="http://schemas.microsoft.com/office/drawing/2014/main" id="{7ABA2114-4F11-47A1-F736-AED92EEEAA30}"/>
               </a:ext>
             </a:extLst>
           </p:cNvPr>
@@ -2699,7 +2699,7 @@
           <p:cNvPr id="7" name="灯片编号占位符 6">
             <a:extLst>
               <a:ext uri="{FF2B5EF4-FFF2-40B4-BE49-F238E27FC236}">
-                <a16:creationId xmlns:a16="http://schemas.microsoft.com/office/drawing/2014/main" id="{C1929DF8-86BA-EA14-F830-7431696921F8}"/>
+                <a16:creationId xmlns:a16="http://schemas.microsoft.com/office/drawing/2014/main" id="{00F32DF0-5322-9D95-833C-1CCE82D7A077}"/>
               </a:ext>
             </a:extLst>
           </p:cNvPr>
@@ -2715,7 +2715,7 @@
           <a:bodyPr/>
           <a:lstStyle/>
           <a:p>
-            <a:fld id="{37649840-ECA1-47FC-9C02-F9A5AA0F523E}" type="slidenum">
+            <a:fld id="{EAF215F4-636B-4E57-9EB3-E1AF45745DD9}" type="slidenum">
               <a:rPr lang="zh-CN" altLang="en-US" smtClean="0"/>
               <a:t>‹#›</a:t>
             </a:fld>
@@ -2726,7 +2726,7 @@
     </p:spTree>
     <p:extLst>
       <p:ext uri="{BB962C8B-B14F-4D97-AF65-F5344CB8AC3E}">
-        <p14:creationId xmlns:p14="http://schemas.microsoft.com/office/powerpoint/2010/main" val="3893317692"/>
+        <p14:creationId xmlns:p14="http://schemas.microsoft.com/office/powerpoint/2010/main" val="3085313368"/>
       </p:ext>
     </p:extLst>
   </p:cSld>
@@ -2763,7 +2763,7 @@
           <p:cNvPr id="2" name="标题占位符 1">
             <a:extLst>
               <a:ext uri="{FF2B5EF4-FFF2-40B4-BE49-F238E27FC236}">
-                <a16:creationId xmlns:a16="http://schemas.microsoft.com/office/drawing/2014/main" id="{6C20FA9C-B21E-55D3-50E9-A5575C4CEFB2}"/>
+                <a16:creationId xmlns:a16="http://schemas.microsoft.com/office/drawing/2014/main" id="{09E614D6-CAB9-3F6D-3399-FEC3C4BAAD80}"/>
               </a:ext>
             </a:extLst>
           </p:cNvPr>
@@ -2801,7 +2801,7 @@
           <p:cNvPr id="3" name="文本占位符 2">
             <a:extLst>
               <a:ext uri="{FF2B5EF4-FFF2-40B4-BE49-F238E27FC236}">
-                <a16:creationId xmlns:a16="http://schemas.microsoft.com/office/drawing/2014/main" id="{3DDC7BB0-417F-009F-1A30-2104E5EAA860}"/>
+                <a16:creationId xmlns:a16="http://schemas.microsoft.com/office/drawing/2014/main" id="{A21390CB-55A2-8847-BA58-8A35DF376B39}"/>
               </a:ext>
             </a:extLst>
           </p:cNvPr>
@@ -2868,7 +2868,7 @@
           <p:cNvPr id="4" name="日期占位符 3">
             <a:extLst>
               <a:ext uri="{FF2B5EF4-FFF2-40B4-BE49-F238E27FC236}">
-                <a16:creationId xmlns:a16="http://schemas.microsoft.com/office/drawing/2014/main" id="{736D577D-FB93-CB35-8685-A44258DB6E15}"/>
+                <a16:creationId xmlns:a16="http://schemas.microsoft.com/office/drawing/2014/main" id="{91728673-2C7F-EC4A-DA78-3987F4C9858F}"/>
               </a:ext>
             </a:extLst>
           </p:cNvPr>
@@ -2902,7 +2902,7 @@
             </a:lvl1pPr>
           </a:lstStyle>
           <a:p>
-            <a:fld id="{C5E3D34A-E3C8-4104-A299-7D530262C3A3}" type="datetimeFigureOut">
+            <a:fld id="{224D48F1-E062-4BC6-8276-9B7AB69CE4C6}" type="datetimeFigureOut">
               <a:rPr lang="zh-CN" altLang="en-US" smtClean="0"/>
               <a:t>2024/3/10</a:t>
             </a:fld>
@@ -2915,7 +2915,7 @@
           <p:cNvPr id="5" name="页脚占位符 4">
             <a:extLst>
               <a:ext uri="{FF2B5EF4-FFF2-40B4-BE49-F238E27FC236}">
-                <a16:creationId xmlns:a16="http://schemas.microsoft.com/office/drawing/2014/main" id="{ECC13FAF-4594-A696-3974-0328FB936E47}"/>
+                <a16:creationId xmlns:a16="http://schemas.microsoft.com/office/drawing/2014/main" id="{A89C83D9-C663-B094-6710-A17A3C36776A}"/>
               </a:ext>
             </a:extLst>
           </p:cNvPr>
@@ -2958,7 +2958,7 @@
           <p:cNvPr id="6" name="灯片编号占位符 5">
             <a:extLst>
               <a:ext uri="{FF2B5EF4-FFF2-40B4-BE49-F238E27FC236}">
-                <a16:creationId xmlns:a16="http://schemas.microsoft.com/office/drawing/2014/main" id="{B4FDB5AF-D111-DEB8-566A-2C7B13CA6FAF}"/>
+                <a16:creationId xmlns:a16="http://schemas.microsoft.com/office/drawing/2014/main" id="{9431D8DB-3EF7-7A6B-066F-DD85834A61AE}"/>
               </a:ext>
             </a:extLst>
           </p:cNvPr>
@@ -2992,7 +2992,7 @@
             </a:lvl1pPr>
           </a:lstStyle>
           <a:p>
-            <a:fld id="{37649840-ECA1-47FC-9C02-F9A5AA0F523E}" type="slidenum">
+            <a:fld id="{EAF215F4-636B-4E57-9EB3-E1AF45745DD9}" type="slidenum">
               <a:rPr lang="zh-CN" altLang="en-US" smtClean="0"/>
               <a:t>‹#›</a:t>
             </a:fld>
@@ -3003,7 +3003,7 @@
     </p:spTree>
     <p:extLst>
       <p:ext uri="{BB962C8B-B14F-4D97-AF65-F5344CB8AC3E}">
-        <p14:creationId xmlns:p14="http://schemas.microsoft.com/office/powerpoint/2010/main" val="45858037"/>
+        <p14:creationId xmlns:p14="http://schemas.microsoft.com/office/powerpoint/2010/main" val="3573105281"/>
       </p:ext>
     </p:extLst>
   </p:cSld>
